--- a/Introducción a Python.pptx
+++ b/Introducción a Python.pptx
@@ -7987,7 +7987,7 @@
           <a:p>
             <a:fld id="{1D8BD707-D9CF-40AE-B4C6-C98DA3205C09}" type="datetimeFigureOut">
               <a:rPr lang="en-US"/>
-              <a:t>6/18/2024</a:t>
+              <a:t>8/1/2025</a:t>
             </a:fld>
             <a:endParaRPr lang="en-US"/>
           </a:p>
@@ -12335,7 +12335,7 @@
                 </a:solidFill>
                 <a:latin typeface="Bahnschrift" panose="020B0502040204020203" pitchFamily="34" charset="0"/>
               </a:rPr>
-              <a:t>/Gemini </a:t>
+              <a:t>/Gemini/Claude </a:t>
             </a:r>
             <a:r>
               <a:rPr lang="es-ES" b="1" dirty="0" err="1">
@@ -12793,10 +12793,13 @@
             </a:endParaRPr>
           </a:p>
           <a:p>
-            <a:endParaRPr lang="es-PE" sz="1800" b="1" dirty="0">
-              <a:latin typeface="Bahnschrift" panose="020B0502040204020203" pitchFamily="34" charset="0"/>
-              <a:cs typeface="Calibri" panose="020F0502020204030204" pitchFamily="34" charset="0"/>
-            </a:endParaRPr>
+            <a:r>
+              <a:rPr lang="es-ES" sz="1800" b="1" dirty="0">
+                <a:latin typeface="Bahnschrift" panose="020B0502040204020203" pitchFamily="34" charset="0"/>
+                <a:cs typeface="Calibri" panose="020F0502020204030204" pitchFamily="34" charset="0"/>
+              </a:rPr>
+              <a:t>¿Cómo crear tu propio LLM?</a:t>
+            </a:r>
           </a:p>
         </p:txBody>
       </p:sp>
